--- a/D3/H-D3.pptx
+++ b/D3/H-D3.pptx
@@ -4455,7 +4455,7 @@
                 <a:latin typeface="Titillium Web" panose="00000500000000000000" pitchFamily="2" charset="0"/>
                 <a:cs typeface="Arial" pitchFamily="34" charset="0"/>
               </a:rPr>
-              <a:t>SOEN 6111 (Software Measurement)</a:t>
+              <a:t>SOEN 6611 (Software Measurement)</a:t>
             </a:r>
           </a:p>
           <a:p>
@@ -4470,7 +4470,7 @@
                 <a:latin typeface="Titillium Web" panose="00000500000000000000" pitchFamily="2" charset="0"/>
                 <a:cs typeface="Arial" pitchFamily="34" charset="0"/>
               </a:rPr>
-              <a:t>Naman Kumar, Yvonne </a:t>
+              <a:t>Team H: Naman Kumar, Yvonne </a:t>
             </a:r>
             <a:r>
               <a:rPr lang="en-US" sz="3700" dirty="0" err="1">

--- a/D3/H-D3.pptx
+++ b/D3/H-D3.pptx
@@ -4265,7 +4265,7 @@
                 </a:solidFill>
                 <a:latin typeface="Amaranth" panose="02000503050000020004" pitchFamily="2" charset="0"/>
               </a:rPr>
-              <a:t>METRICSTICS</a:t>
+              <a:t>METRICSTICS SYSTEM</a:t>
             </a:r>
           </a:p>
         </p:txBody>
